--- a/Elm Lunch Talk.pptx
+++ b/Elm Lunch Talk.pptx
@@ -112,6 +112,11 @@
       </a:defRPr>
     </a:lvl9pPr>
   </p:defaultTextStyle>
+  <p:extLst>
+    <p:ext uri="{EFAFB233-063F-42B5-8137-9DF3F51BA10A}">
+      <p15:sldGuideLst xmlns:p15="http://schemas.microsoft.com/office/powerpoint/2012/main"/>
+    </p:ext>
+  </p:extLst>
 </p:presentation>
 </file>
 
@@ -160,7 +165,6 @@
               <a:rPr lang="en-US"/>
               <a:t>Click to edit Master title style</a:t>
             </a:r>
-            <a:endParaRPr lang="en-US"/>
           </a:p>
         </p:txBody>
       </p:sp>
@@ -225,7 +229,6 @@
               <a:rPr lang="en-US"/>
               <a:t>Click to edit Master subtitle style</a:t>
             </a:r>
-            <a:endParaRPr lang="en-US"/>
           </a:p>
         </p:txBody>
       </p:sp>
@@ -343,7 +346,6 @@
               <a:rPr lang="en-US"/>
               <a:t>Click to edit Master title style</a:t>
             </a:r>
-            <a:endParaRPr lang="en-US"/>
           </a:p>
         </p:txBody>
       </p:sp>
@@ -395,7 +397,6 @@
               <a:rPr lang="en-US"/>
               <a:t>Fifth level</a:t>
             </a:r>
-            <a:endParaRPr lang="en-US"/>
           </a:p>
         </p:txBody>
       </p:sp>
@@ -518,7 +519,6 @@
               <a:rPr lang="en-US"/>
               <a:t>Click to edit Master title style</a:t>
             </a:r>
-            <a:endParaRPr lang="en-US"/>
           </a:p>
         </p:txBody>
       </p:sp>
@@ -575,7 +575,6 @@
               <a:rPr lang="en-US"/>
               <a:t>Fifth level</a:t>
             </a:r>
-            <a:endParaRPr lang="en-US"/>
           </a:p>
         </p:txBody>
       </p:sp>
@@ -693,7 +692,6 @@
               <a:rPr lang="en-US"/>
               <a:t>Click to edit Master title style</a:t>
             </a:r>
-            <a:endParaRPr lang="en-US"/>
           </a:p>
         </p:txBody>
       </p:sp>
@@ -745,7 +743,6 @@
               <a:rPr lang="en-US"/>
               <a:t>Fifth level</a:t>
             </a:r>
-            <a:endParaRPr lang="en-US"/>
           </a:p>
         </p:txBody>
       </p:sp>
@@ -872,7 +869,6 @@
               <a:rPr lang="en-US"/>
               <a:t>Click to edit Master title style</a:t>
             </a:r>
-            <a:endParaRPr lang="en-US"/>
           </a:p>
         </p:txBody>
       </p:sp>
@@ -1109,7 +1105,6 @@
               <a:rPr lang="en-US"/>
               <a:t>Click to edit Master title style</a:t>
             </a:r>
-            <a:endParaRPr lang="en-US"/>
           </a:p>
         </p:txBody>
       </p:sp>
@@ -1166,7 +1161,6 @@
               <a:rPr lang="en-US"/>
               <a:t>Fifth level</a:t>
             </a:r>
-            <a:endParaRPr lang="en-US"/>
           </a:p>
         </p:txBody>
       </p:sp>
@@ -1223,7 +1217,6 @@
               <a:rPr lang="en-US"/>
               <a:t>Fifth level</a:t>
             </a:r>
-            <a:endParaRPr lang="en-US"/>
           </a:p>
         </p:txBody>
       </p:sp>
@@ -1346,7 +1339,6 @@
               <a:rPr lang="en-US"/>
               <a:t>Click to edit Master title style</a:t>
             </a:r>
-            <a:endParaRPr lang="en-US"/>
           </a:p>
         </p:txBody>
       </p:sp>
@@ -1468,7 +1460,6 @@
               <a:rPr lang="en-US"/>
               <a:t>Fifth level</a:t>
             </a:r>
-            <a:endParaRPr lang="en-US"/>
           </a:p>
         </p:txBody>
       </p:sp>
@@ -1590,7 +1581,6 @@
               <a:rPr lang="en-US"/>
               <a:t>Fifth level</a:t>
             </a:r>
-            <a:endParaRPr lang="en-US"/>
           </a:p>
         </p:txBody>
       </p:sp>
@@ -1708,7 +1698,6 @@
               <a:rPr lang="en-US"/>
               <a:t>Click to edit Master title style</a:t>
             </a:r>
-            <a:endParaRPr lang="en-US"/>
           </a:p>
         </p:txBody>
       </p:sp>
@@ -1930,7 +1919,6 @@
               <a:rPr lang="en-US"/>
               <a:t>Click to edit Master title style</a:t>
             </a:r>
-            <a:endParaRPr lang="en-US"/>
           </a:p>
         </p:txBody>
       </p:sp>
@@ -2015,7 +2003,6 @@
               <a:rPr lang="en-US"/>
               <a:t>Fifth level</a:t>
             </a:r>
-            <a:endParaRPr lang="en-US"/>
           </a:p>
         </p:txBody>
       </p:sp>
@@ -2207,7 +2194,6 @@
               <a:rPr lang="en-US"/>
               <a:t>Click to edit Master title style</a:t>
             </a:r>
-            <a:endParaRPr lang="en-US"/>
           </a:p>
         </p:txBody>
       </p:sp>
@@ -2466,7 +2452,6 @@
               <a:rPr lang="en-US"/>
               <a:t>Click to edit Master title style</a:t>
             </a:r>
-            <a:endParaRPr lang="en-US"/>
           </a:p>
         </p:txBody>
       </p:sp>
@@ -2528,7 +2513,6 @@
               <a:rPr lang="en-US"/>
               <a:t>Fifth level</a:t>
             </a:r>
-            <a:endParaRPr lang="en-US"/>
           </a:p>
         </p:txBody>
       </p:sp>
@@ -2995,8 +2979,8 @@
         </p:blipFill>
         <p:spPr bwMode="auto">
           <a:xfrm>
-            <a:off x="4920577" y="0"/>
-            <a:ext cx="2362485" cy="3051544"/>
+            <a:off x="4920577" y="805880"/>
+            <a:ext cx="2362485" cy="2692232"/>
           </a:xfrm>
           <a:prstGeom prst="rect">
             <a:avLst/>
@@ -3023,7 +3007,12 @@
             <p:ph type="ctrTitle"/>
           </p:nvPr>
         </p:nvSpPr>
-        <p:spPr/>
+        <p:spPr>
+          <a:xfrm>
+            <a:off x="1524000" y="1850065"/>
+            <a:ext cx="9144000" cy="2106466"/>
+          </a:xfrm>
+        </p:spPr>
         <p:txBody>
           <a:bodyPr/>
           <a:lstStyle/>
@@ -3045,7 +3034,12 @@
             <p:ph type="subTitle" idx="1"/>
           </p:nvPr>
         </p:nvSpPr>
-        <p:spPr/>
+        <p:spPr>
+          <a:xfrm>
+            <a:off x="1524000" y="4243568"/>
+            <a:ext cx="9144000" cy="1460800"/>
+          </a:xfrm>
+        </p:spPr>
         <p:txBody>
           <a:bodyPr/>
           <a:lstStyle/>
@@ -3161,13 +3155,13 @@
           <a:p>
             <a:r>
               <a:rPr lang="en-US" dirty="0"/>
+              <a:t>A framework for building reactive web apps (think Knockout, React, Angular)</a:t>
+            </a:r>
+          </a:p>
+          <a:p>
+            <a:r>
+              <a:rPr lang="en-US" dirty="0"/>
               <a:t>Inspired by Haskell (similar syntax)</a:t>
-            </a:r>
-          </a:p>
-          <a:p>
-            <a:r>
-              <a:rPr lang="en-US" dirty="0"/>
-              <a:t>A framework for building reactive web apps (think Knockout, React, Angular)</a:t>
             </a:r>
           </a:p>
           <a:p>
@@ -3860,7 +3854,7 @@
           <a:p>
             <a:r>
               <a:rPr lang="en-US" dirty="0"/>
-              <a:t>Pattern matching</a:t>
+              <a:t>Pattern matching, parameterized types</a:t>
             </a:r>
           </a:p>
           <a:p>
@@ -3947,7 +3941,9 @@
         </p:nvSpPr>
         <p:spPr/>
         <p:txBody>
-          <a:bodyPr/>
+          <a:bodyPr>
+            <a:normAutofit lnSpcReduction="10000"/>
+          </a:bodyPr>
           <a:lstStyle/>
           <a:p>
             <a:r>
@@ -3968,18 +3964,36 @@
           <a:p>
             <a:r>
               <a:rPr lang="en-US" dirty="0"/>
-              <a:t>Simple form </a:t>
+              <a:t>Maybe (think </a:t>
+            </a:r>
+            <a:r>
+              <a:rPr lang="en-US" dirty="0" err="1"/>
+              <a:t>nullable</a:t>
+            </a:r>
+            <a:r>
+              <a:rPr lang="en-US" dirty="0"/>
+              <a:t> types in C#) </a:t>
             </a:r>
             <a:r>
               <a:rPr lang="en-US" dirty="0">
                 <a:hlinkClick r:id="rId3"/>
               </a:rPr>
-              <a:t>http://elm-lang.org/examples/form</a:t>
-            </a:r>
-            <a:r>
-              <a:rPr lang="en-US" dirty="0"/>
-              <a:t> (MVU architecture, html created with functions, type annotations)</a:t>
-            </a:r>
+              <a:t>https://github.com/bernardwolff/elm-presentation/blob/master/oneof.elm</a:t>
+            </a:r>
+            <a:endParaRPr lang="en-US" dirty="0"/>
+          </a:p>
+          <a:p>
+            <a:r>
+              <a:rPr lang="en-US" dirty="0"/>
+              <a:t>Immutability </a:t>
+            </a:r>
+            <a:r>
+              <a:rPr lang="en-US" dirty="0">
+                <a:hlinkClick r:id="rId3"/>
+              </a:rPr>
+              <a:t>https://github.com/bernardwolff/elm-presentation/blob/master/Immutability.elm</a:t>
+            </a:r>
+            <a:endParaRPr lang="en-US" dirty="0"/>
           </a:p>
           <a:p>
             <a:r>
@@ -3994,22 +4008,27 @@
             </a:r>
             <a:r>
               <a:rPr lang="en-US" dirty="0"/>
-              <a:t> (currying, pattern matching)</a:t>
-            </a:r>
-          </a:p>
-          <a:p>
-            <a:r>
-              <a:rPr lang="en-US" dirty="0"/>
-              <a:t>Maybe (think </a:t>
-            </a:r>
-            <a:r>
-              <a:rPr lang="en-US" dirty="0" err="1"/>
-              <a:t>nullable</a:t>
-            </a:r>
-            <a:r>
-              <a:rPr lang="en-US" dirty="0"/>
-              <a:t> types in C#)</a:t>
-            </a:r>
+              <a:t> (pattern matching)</a:t>
+            </a:r>
+          </a:p>
+          <a:p>
+            <a:r>
+              <a:rPr lang="en-US" dirty="0"/>
+              <a:t>Simple form </a:t>
+            </a:r>
+            <a:r>
+              <a:rPr lang="en-US" dirty="0">
+                <a:hlinkClick r:id="rId5"/>
+              </a:rPr>
+              <a:t>http://elm-lang.org/examples/form</a:t>
+            </a:r>
+            <a:r>
+              <a:rPr lang="en-US" dirty="0"/>
+              <a:t> (MVU architecture, html created with functions, type annotations)</a:t>
+            </a:r>
+          </a:p>
+          <a:p>
+            <a:endParaRPr lang="en-US" dirty="0"/>
           </a:p>
           <a:p>
             <a:endParaRPr lang="en-US" dirty="0"/>

--- a/Elm Lunch Talk.pptx
+++ b/Elm Lunch Talk.pptx
@@ -3989,36 +3989,42 @@
             </a:r>
             <a:r>
               <a:rPr lang="en-US" dirty="0">
-                <a:hlinkClick r:id="rId3"/>
-              </a:rPr>
-              <a:t>https://github.com/bernardwolff/elm-presentation/blob/master/Immutability.elm</a:t>
-            </a:r>
-            <a:endParaRPr lang="en-US" dirty="0"/>
-          </a:p>
-          <a:p>
-            <a:r>
-              <a:rPr lang="en-US" dirty="0"/>
-              <a:t>Zip </a:t>
-            </a:r>
-            <a:r>
-              <a:rPr lang="en-US" dirty="0">
                 <a:hlinkClick r:id="rId4"/>
               </a:rPr>
-              <a:t>http://elm-lang.org/examples/zip</a:t>
-            </a:r>
-            <a:r>
-              <a:rPr lang="en-US" dirty="0"/>
-              <a:t> (pattern matching)</a:t>
-            </a:r>
-          </a:p>
-          <a:p>
-            <a:r>
-              <a:rPr lang="en-US" dirty="0"/>
-              <a:t>Simple form </a:t>
+              <a:t>https</a:t>
+            </a:r>
+            <a:r>
+              <a:rPr lang="en-US">
+                <a:hlinkClick r:id="rId4"/>
+              </a:rPr>
+              <a:t>://github.com/bernardwolff/elm-presentation/blob/master/immutability.elm</a:t>
+            </a:r>
+            <a:endParaRPr lang="en-US" dirty="0"/>
+          </a:p>
+          <a:p>
+            <a:r>
+              <a:rPr lang="en-US" dirty="0"/>
+              <a:t>Zip </a:t>
             </a:r>
             <a:r>
               <a:rPr lang="en-US" dirty="0">
                 <a:hlinkClick r:id="rId5"/>
+              </a:rPr>
+              <a:t>http://elm-lang.org/examples/zip</a:t>
+            </a:r>
+            <a:r>
+              <a:rPr lang="en-US" dirty="0"/>
+              <a:t> (pattern matching)</a:t>
+            </a:r>
+          </a:p>
+          <a:p>
+            <a:r>
+              <a:rPr lang="en-US" dirty="0"/>
+              <a:t>Simple form </a:t>
+            </a:r>
+            <a:r>
+              <a:rPr lang="en-US" dirty="0">
+                <a:hlinkClick r:id="rId6"/>
               </a:rPr>
               <a:t>http://elm-lang.org/examples/form</a:t>
             </a:r>

--- a/Elm Lunch Talk.pptx
+++ b/Elm Lunch Talk.pptx
@@ -3942,7 +3942,7 @@
         <p:spPr/>
         <p:txBody>
           <a:bodyPr>
-            <a:normAutofit lnSpcReduction="10000"/>
+            <a:normAutofit fontScale="92500"/>
           </a:bodyPr>
           <a:lstStyle/>
           <a:p>
@@ -3991,13 +3991,7 @@
               <a:rPr lang="en-US" dirty="0">
                 <a:hlinkClick r:id="rId4"/>
               </a:rPr>
-              <a:t>https</a:t>
-            </a:r>
-            <a:r>
-              <a:rPr lang="en-US">
-                <a:hlinkClick r:id="rId4"/>
-              </a:rPr>
-              <a:t>://github.com/bernardwolff/elm-presentation/blob/master/immutability.elm</a:t>
+              <a:t>https://github.com/bernardwolff/elm-presentation/blob/master/immutability.elm</a:t>
             </a:r>
             <a:endParaRPr lang="en-US" dirty="0"/>
           </a:p>
@@ -4032,6 +4026,28 @@
               <a:rPr lang="en-US" dirty="0"/>
               <a:t> (MVU architecture, html created with functions, type annotations)</a:t>
             </a:r>
+          </a:p>
+          <a:p>
+            <a:r>
+              <a:rPr lang="en-US"/>
+              <a:t>Currying </a:t>
+            </a:r>
+            <a:r>
+              <a:rPr lang="en-US">
+                <a:hlinkClick r:id="rId7"/>
+              </a:rPr>
+              <a:t>https</a:t>
+            </a:r>
+            <a:r>
+              <a:rPr lang="en-US">
+                <a:hlinkClick r:id="rId7"/>
+              </a:rPr>
+              <a:t>://github.com/bernardwolff/elm-presentation/blob/master/currying.elm</a:t>
+            </a:r>
+            <a:endParaRPr lang="en-US"/>
+          </a:p>
+          <a:p>
+            <a:endParaRPr lang="en-US" dirty="0"/>
           </a:p>
           <a:p>
             <a:endParaRPr lang="en-US" dirty="0"/>

--- a/Elm Lunch Talk.pptx
+++ b/Elm Lunch Talk.pptx
@@ -4029,22 +4029,16 @@
           </a:p>
           <a:p>
             <a:r>
-              <a:rPr lang="en-US"/>
+              <a:rPr lang="en-US" dirty="0"/>
               <a:t>Currying </a:t>
             </a:r>
             <a:r>
-              <a:rPr lang="en-US">
+              <a:rPr lang="en-US" dirty="0">
                 <a:hlinkClick r:id="rId7"/>
               </a:rPr>
-              <a:t>https</a:t>
-            </a:r>
-            <a:r>
-              <a:rPr lang="en-US">
-                <a:hlinkClick r:id="rId7"/>
-              </a:rPr>
-              <a:t>://github.com/bernardwolff/elm-presentation/blob/master/currying.elm</a:t>
-            </a:r>
-            <a:endParaRPr lang="en-US"/>
+              <a:t>https://github.com/bernardwolff/elm-presentation/blob/master/currying.elm</a:t>
+            </a:r>
+            <a:endParaRPr lang="en-US" dirty="0"/>
           </a:p>
           <a:p>
             <a:endParaRPr lang="en-US" dirty="0"/>
